--- a/ppt/สอบจบ.pptx
+++ b/ppt/สอบจบ.pptx
@@ -161,7 +161,7 @@
   </p:defaultTextStyle>
   <p:extLst>
     <p:ext uri="{EFAFB233-063F-42B5-8137-9DF3F51BA10A}">
-      <p15:sldGuideLst xmlns="" xmlns:p15="http://schemas.microsoft.com/office/powerpoint/2012/main">
+      <p15:sldGuideLst xmlns:p15="http://schemas.microsoft.com/office/powerpoint/2012/main" xmlns="">
         <p15:guide id="1" orient="horz" pos="3024">
           <p15:clr>
             <a:srgbClr val="A4A3A4"/>
@@ -260,7 +260,7 @@
           <a:p>
             <a:fld id="{815D5E38-CC3F-4CA1-A854-AB3C4DCE8D86}" type="datetimeFigureOut">
               <a:rPr lang="th-TH" smtClean="0"/>
-              <a:t>12/05/59</a:t>
+              <a:t>19/05/59</a:t>
             </a:fld>
             <a:endParaRPr lang="th-TH"/>
           </a:p>
@@ -425,7 +425,7 @@
           <a:p>
             <a:fld id="{F836D8EB-1CBE-40BE-8A8C-717AC1622560}" type="datetimeFigureOut">
               <a:rPr lang="th-TH" smtClean="0"/>
-              <a:t>12/05/59</a:t>
+              <a:t>19/05/59</a:t>
             </a:fld>
             <a:endParaRPr lang="th-TH"/>
           </a:p>
@@ -6943,11 +6943,11 @@
               <a:t>นางสาว</a:t>
             </a:r>
             <a:r>
-              <a:rPr lang="th-TH" sz="5600" dirty="0" err="1" smtClean="0">
-                <a:latin typeface="TH SarabunPSK" pitchFamily="34" charset="-34"/>
-                <a:cs typeface="TH SarabunPSK" pitchFamily="34" charset="-34"/>
-              </a:rPr>
-              <a:t>ฉัตรฑ</a:t>
+              <a:rPr lang="th-TH" sz="5600" smtClean="0">
+                <a:latin typeface="TH SarabunPSK" pitchFamily="34" charset="-34"/>
+                <a:cs typeface="TH SarabunPSK" pitchFamily="34" charset="-34"/>
+              </a:rPr>
+              <a:t>ฉัตฑ</a:t>
             </a:r>
             <a:r>
               <a:rPr lang="th-TH" sz="5600" dirty="0" smtClean="0">
